--- a/src/test/docs/DesignPatterns.pptx
+++ b/src/test/docs/DesignPatterns.pptx
@@ -8,6 +8,7 @@
     <p:sldId id="256" r:id="rId2"/>
     <p:sldId id="257" r:id="rId3"/>
     <p:sldId id="258" r:id="rId4"/>
+    <p:sldId id="259" r:id="rId5"/>
   </p:sldIdLst>
   <p:sldSz cx="9144000" cy="6858000" type="screen4x3"/>
   <p:notesSz cx="6858000" cy="9144000"/>
@@ -220,7 +221,8 @@
           <a:p>
             <a:fld id="{EB89C0FB-F449-478A-BE4E-0D1006284056}" type="datetimeFigureOut">
               <a:rPr lang="fr-FR" smtClean="0"/>
-              <a:t>17/12/2017</a:t>
+              <a:pPr/>
+              <a:t>18/12/2017</a:t>
             </a:fld>
             <a:endParaRPr lang="fr-FR"/>
           </a:p>
@@ -262,6 +264,7 @@
           <a:p>
             <a:fld id="{CA967B4D-895B-46C1-A449-2047ED49ADB0}" type="slidenum">
               <a:rPr lang="fr-FR" smtClean="0"/>
+              <a:pPr/>
               <a:t>‹N°›</a:t>
             </a:fld>
             <a:endParaRPr lang="fr-FR"/>
@@ -446,7 +449,8 @@
           <a:p>
             <a:fld id="{EB89C0FB-F449-478A-BE4E-0D1006284056}" type="datetimeFigureOut">
               <a:rPr lang="fr-FR" smtClean="0"/>
-              <a:t>17/12/2017</a:t>
+              <a:pPr/>
+              <a:t>18/12/2017</a:t>
             </a:fld>
             <a:endParaRPr lang="fr-FR"/>
           </a:p>
@@ -488,6 +492,7 @@
           <a:p>
             <a:fld id="{CA967B4D-895B-46C1-A449-2047ED49ADB0}" type="slidenum">
               <a:rPr lang="fr-FR" smtClean="0"/>
+              <a:pPr/>
               <a:t>‹N°›</a:t>
             </a:fld>
             <a:endParaRPr lang="fr-FR"/>
@@ -621,7 +626,8 @@
           <a:p>
             <a:fld id="{EB89C0FB-F449-478A-BE4E-0D1006284056}" type="datetimeFigureOut">
               <a:rPr lang="fr-FR" smtClean="0"/>
-              <a:t>17/12/2017</a:t>
+              <a:pPr/>
+              <a:t>18/12/2017</a:t>
             </a:fld>
             <a:endParaRPr lang="fr-FR"/>
           </a:p>
@@ -663,6 +669,7 @@
           <a:p>
             <a:fld id="{CA967B4D-895B-46C1-A449-2047ED49ADB0}" type="slidenum">
               <a:rPr lang="fr-FR" smtClean="0"/>
+              <a:pPr/>
               <a:t>‹N°›</a:t>
             </a:fld>
             <a:endParaRPr lang="fr-FR"/>
@@ -786,7 +793,8 @@
           <a:p>
             <a:fld id="{EB89C0FB-F449-478A-BE4E-0D1006284056}" type="datetimeFigureOut">
               <a:rPr lang="fr-FR" smtClean="0"/>
-              <a:t>17/12/2017</a:t>
+              <a:pPr/>
+              <a:t>18/12/2017</a:t>
             </a:fld>
             <a:endParaRPr lang="fr-FR"/>
           </a:p>
@@ -828,6 +836,7 @@
           <a:p>
             <a:fld id="{CA967B4D-895B-46C1-A449-2047ED49ADB0}" type="slidenum">
               <a:rPr lang="fr-FR" smtClean="0"/>
+              <a:pPr/>
               <a:t>‹N°›</a:t>
             </a:fld>
             <a:endParaRPr lang="fr-FR"/>
@@ -1030,7 +1039,8 @@
           <a:p>
             <a:fld id="{EB89C0FB-F449-478A-BE4E-0D1006284056}" type="datetimeFigureOut">
               <a:rPr lang="fr-FR" smtClean="0"/>
-              <a:t>17/12/2017</a:t>
+              <a:pPr/>
+              <a:t>18/12/2017</a:t>
             </a:fld>
             <a:endParaRPr lang="fr-FR"/>
           </a:p>
@@ -1077,6 +1087,7 @@
           <a:p>
             <a:fld id="{CA967B4D-895B-46C1-A449-2047ED49ADB0}" type="slidenum">
               <a:rPr lang="fr-FR" smtClean="0"/>
+              <a:pPr/>
               <a:t>‹N°›</a:t>
             </a:fld>
             <a:endParaRPr lang="fr-FR"/>
@@ -1294,7 +1305,8 @@
           <a:p>
             <a:fld id="{EB89C0FB-F449-478A-BE4E-0D1006284056}" type="datetimeFigureOut">
               <a:rPr lang="fr-FR" smtClean="0"/>
-              <a:t>17/12/2017</a:t>
+              <a:pPr/>
+              <a:t>18/12/2017</a:t>
             </a:fld>
             <a:endParaRPr lang="fr-FR"/>
           </a:p>
@@ -1336,6 +1348,7 @@
           <a:p>
             <a:fld id="{CA967B4D-895B-46C1-A449-2047ED49ADB0}" type="slidenum">
               <a:rPr lang="fr-FR" smtClean="0"/>
+              <a:pPr/>
               <a:t>‹N°›</a:t>
             </a:fld>
             <a:endParaRPr lang="fr-FR"/>
@@ -1668,7 +1681,8 @@
           <a:p>
             <a:fld id="{EB89C0FB-F449-478A-BE4E-0D1006284056}" type="datetimeFigureOut">
               <a:rPr lang="fr-FR" smtClean="0"/>
-              <a:t>17/12/2017</a:t>
+              <a:pPr/>
+              <a:t>18/12/2017</a:t>
             </a:fld>
             <a:endParaRPr lang="fr-FR"/>
           </a:p>
@@ -1710,6 +1724,7 @@
           <a:p>
             <a:fld id="{CA967B4D-895B-46C1-A449-2047ED49ADB0}" type="slidenum">
               <a:rPr lang="fr-FR" smtClean="0"/>
+              <a:pPr/>
               <a:t>‹N°›</a:t>
             </a:fld>
             <a:endParaRPr lang="fr-FR"/>
@@ -1781,7 +1796,8 @@
           <a:p>
             <a:fld id="{EB89C0FB-F449-478A-BE4E-0D1006284056}" type="datetimeFigureOut">
               <a:rPr lang="fr-FR" smtClean="0"/>
-              <a:t>17/12/2017</a:t>
+              <a:pPr/>
+              <a:t>18/12/2017</a:t>
             </a:fld>
             <a:endParaRPr lang="fr-FR"/>
           </a:p>
@@ -1823,6 +1839,7 @@
           <a:p>
             <a:fld id="{CA967B4D-895B-46C1-A449-2047ED49ADB0}" type="slidenum">
               <a:rPr lang="fr-FR" smtClean="0"/>
+              <a:pPr/>
               <a:t>‹N°›</a:t>
             </a:fld>
             <a:endParaRPr lang="fr-FR"/>
@@ -1871,7 +1888,8 @@
           <a:p>
             <a:fld id="{EB89C0FB-F449-478A-BE4E-0D1006284056}" type="datetimeFigureOut">
               <a:rPr lang="fr-FR" smtClean="0"/>
-              <a:t>17/12/2017</a:t>
+              <a:pPr/>
+              <a:t>18/12/2017</a:t>
             </a:fld>
             <a:endParaRPr lang="fr-FR"/>
           </a:p>
@@ -1913,6 +1931,7 @@
           <a:p>
             <a:fld id="{CA967B4D-895B-46C1-A449-2047ED49ADB0}" type="slidenum">
               <a:rPr lang="fr-FR" smtClean="0"/>
+              <a:pPr/>
               <a:t>‹N°›</a:t>
             </a:fld>
             <a:endParaRPr lang="fr-FR"/>
@@ -2129,7 +2148,8 @@
           <a:p>
             <a:fld id="{EB89C0FB-F449-478A-BE4E-0D1006284056}" type="datetimeFigureOut">
               <a:rPr lang="fr-FR" smtClean="0"/>
-              <a:t>17/12/2017</a:t>
+              <a:pPr/>
+              <a:t>18/12/2017</a:t>
             </a:fld>
             <a:endParaRPr lang="fr-FR"/>
           </a:p>
@@ -2171,6 +2191,7 @@
           <a:p>
             <a:fld id="{CA967B4D-895B-46C1-A449-2047ED49ADB0}" type="slidenum">
               <a:rPr lang="fr-FR" smtClean="0"/>
+              <a:pPr/>
               <a:t>‹N°›</a:t>
             </a:fld>
             <a:endParaRPr lang="fr-FR"/>
@@ -2393,7 +2414,8 @@
           <a:p>
             <a:fld id="{EB89C0FB-F449-478A-BE4E-0D1006284056}" type="datetimeFigureOut">
               <a:rPr lang="fr-FR" smtClean="0"/>
-              <a:t>17/12/2017</a:t>
+              <a:pPr/>
+              <a:t>18/12/2017</a:t>
             </a:fld>
             <a:endParaRPr lang="fr-FR"/>
           </a:p>
@@ -2435,6 +2457,7 @@
           <a:p>
             <a:fld id="{CA967B4D-895B-46C1-A449-2047ED49ADB0}" type="slidenum">
               <a:rPr lang="fr-FR" smtClean="0"/>
+              <a:pPr/>
               <a:t>‹N°›</a:t>
             </a:fld>
             <a:endParaRPr lang="fr-FR"/>
@@ -2610,7 +2633,8 @@
           <a:p>
             <a:fld id="{EB89C0FB-F449-478A-BE4E-0D1006284056}" type="datetimeFigureOut">
               <a:rPr lang="fr-FR" smtClean="0"/>
-              <a:t>17/12/2017</a:t>
+              <a:pPr/>
+              <a:t>18/12/2017</a:t>
             </a:fld>
             <a:endParaRPr lang="fr-FR"/>
           </a:p>
@@ -2688,6 +2712,7 @@
           <a:p>
             <a:fld id="{CA967B4D-895B-46C1-A449-2047ED49ADB0}" type="slidenum">
               <a:rPr lang="fr-FR" smtClean="0"/>
+              <a:pPr/>
               <a:t>‹N°›</a:t>
             </a:fld>
             <a:endParaRPr lang="fr-FR"/>
@@ -3063,25 +3088,6 @@
           </a:p>
         </p:txBody>
       </p:sp>
-      <p:sp>
-        <p:nvSpPr>
-          <p:cNvPr id="3" name="Sous-titre 2"/>
-          <p:cNvSpPr>
-            <a:spLocks noGrp="1"/>
-          </p:cNvSpPr>
-          <p:nvPr>
-            <p:ph type="subTitle" idx="1"/>
-          </p:nvPr>
-        </p:nvSpPr>
-        <p:spPr/>
-        <p:txBody>
-          <a:bodyPr/>
-          <a:lstStyle/>
-          <a:p>
-            <a:endParaRPr lang="fr-FR"/>
-          </a:p>
-        </p:txBody>
-      </p:sp>
     </p:spTree>
   </p:cSld>
   <p:clrMapOvr>
@@ -3978,11 +3984,7 @@
             </a:r>
             <a:r>
               <a:rPr lang="fr-FR" dirty="0" smtClean="0"/>
-              <a:t> – </a:t>
-            </a:r>
-            <a:r>
-              <a:rPr lang="fr-FR" dirty="0" smtClean="0"/>
-              <a:t>Second </a:t>
+              <a:t> – Second </a:t>
             </a:r>
             <a:r>
               <a:rPr lang="fr-FR" dirty="0" err="1" smtClean="0"/>
@@ -4384,23 +4386,7 @@
                   <a:schemeClr val="bg1"/>
                 </a:solidFill>
               </a:rPr>
-              <a:t>executeRoute</a:t>
-            </a:r>
-            <a:r>
-              <a:rPr lang="fr-FR" smtClean="0">
-                <a:solidFill>
-                  <a:schemeClr val="bg1"/>
-                </a:solidFill>
-              </a:rPr>
-              <a:t>()</a:t>
-            </a:r>
-            <a:r>
-              <a:rPr lang="fr-FR" smtClean="0">
-                <a:solidFill>
-                  <a:schemeClr val="bg1"/>
-                </a:solidFill>
-              </a:rPr>
-              <a:t> </a:t>
+              <a:t>executeRoute() </a:t>
             </a:r>
             <a:r>
               <a:rPr lang="fr-FR" dirty="0" err="1" smtClean="0">
@@ -4431,6 +4417,677 @@
           <a:xfrm flipV="1">
             <a:off x="4143340" y="3214686"/>
             <a:ext cx="1143040" cy="321471"/>
+          </a:xfrm>
+          <a:prstGeom prst="straightConnector1">
+            <a:avLst/>
+          </a:prstGeom>
+          <a:ln>
+            <a:tailEnd type="arrow"/>
+          </a:ln>
+        </p:spPr>
+        <p:style>
+          <a:lnRef idx="1">
+            <a:schemeClr val="accent1"/>
+          </a:lnRef>
+          <a:fillRef idx="0">
+            <a:schemeClr val="accent1"/>
+          </a:fillRef>
+          <a:effectRef idx="0">
+            <a:schemeClr val="accent1"/>
+          </a:effectRef>
+          <a:fontRef idx="minor">
+            <a:schemeClr val="tx1"/>
+          </a:fontRef>
+        </p:style>
+      </p:cxnSp>
+    </p:spTree>
+  </p:cSld>
+  <p:clrMapOvr>
+    <a:masterClrMapping/>
+  </p:clrMapOvr>
+</p:sld>
+</file>
+
+<file path=ppt/slides/slide4.xml><?xml version="1.0" encoding="utf-8"?>
+<p:sld xmlns:a="http://schemas.openxmlformats.org/drawingml/2006/main" xmlns:r="http://schemas.openxmlformats.org/officeDocument/2006/relationships" xmlns:p="http://schemas.openxmlformats.org/presentationml/2006/main">
+  <p:cSld>
+    <p:spTree>
+      <p:nvGrpSpPr>
+        <p:cNvPr id="1" name=""/>
+        <p:cNvGrpSpPr/>
+        <p:nvPr/>
+      </p:nvGrpSpPr>
+      <p:grpSpPr>
+        <a:xfrm>
+          <a:off x="0" y="0"/>
+          <a:ext cx="0" cy="0"/>
+          <a:chOff x="0" y="0"/>
+          <a:chExt cx="0" cy="0"/>
+        </a:xfrm>
+      </p:grpSpPr>
+      <p:sp>
+        <p:nvSpPr>
+          <p:cNvPr id="2" name="Titre 1"/>
+          <p:cNvSpPr>
+            <a:spLocks noGrp="1"/>
+          </p:cNvSpPr>
+          <p:nvPr>
+            <p:ph type="title"/>
+          </p:nvPr>
+        </p:nvSpPr>
+        <p:spPr/>
+        <p:txBody>
+          <a:bodyPr>
+            <a:normAutofit/>
+          </a:bodyPr>
+          <a:lstStyle/>
+          <a:p>
+            <a:r>
+              <a:rPr lang="fr-FR" dirty="0" smtClean="0"/>
+              <a:t>3- </a:t>
+            </a:r>
+            <a:r>
+              <a:rPr lang="fr-FR" dirty="0" err="1" smtClean="0"/>
+              <a:t>Builder</a:t>
+            </a:r>
+            <a:r>
+              <a:rPr lang="fr-FR" dirty="0" smtClean="0"/>
+              <a:t> :</a:t>
+            </a:r>
+            <a:endParaRPr lang="fr-FR" dirty="0"/>
+          </a:p>
+        </p:txBody>
+      </p:sp>
+      <p:sp>
+        <p:nvSpPr>
+          <p:cNvPr id="4" name="Rectangle à coins arrondis 3"/>
+          <p:cNvSpPr/>
+          <p:nvPr/>
+        </p:nvSpPr>
+        <p:spPr>
+          <a:xfrm>
+            <a:off x="3428992" y="5715016"/>
+            <a:ext cx="2214578" cy="714380"/>
+          </a:xfrm>
+          <a:prstGeom prst="roundRect">
+            <a:avLst/>
+          </a:prstGeom>
+        </p:spPr>
+        <p:style>
+          <a:lnRef idx="2">
+            <a:schemeClr val="accent1">
+              <a:shade val="50000"/>
+            </a:schemeClr>
+          </a:lnRef>
+          <a:fillRef idx="1">
+            <a:schemeClr val="accent1"/>
+          </a:fillRef>
+          <a:effectRef idx="0">
+            <a:schemeClr val="accent1"/>
+          </a:effectRef>
+          <a:fontRef idx="minor">
+            <a:schemeClr val="lt1"/>
+          </a:fontRef>
+        </p:style>
+        <p:txBody>
+          <a:bodyPr rtlCol="0" anchor="ctr"/>
+          <a:lstStyle/>
+          <a:p>
+            <a:pPr algn="ctr"/>
+            <a:r>
+              <a:rPr lang="fr-FR" dirty="0" err="1" smtClean="0">
+                <a:solidFill>
+                  <a:schemeClr val="bg1"/>
+                </a:solidFill>
+              </a:rPr>
+              <a:t>Vehicule</a:t>
+            </a:r>
+            <a:r>
+              <a:rPr lang="fr-FR" dirty="0" smtClean="0">
+                <a:solidFill>
+                  <a:schemeClr val="bg1"/>
+                </a:solidFill>
+              </a:rPr>
+              <a:t> </a:t>
+            </a:r>
+            <a:r>
+              <a:rPr lang="fr-FR" dirty="0" err="1" smtClean="0">
+                <a:solidFill>
+                  <a:schemeClr val="bg1"/>
+                </a:solidFill>
+              </a:rPr>
+              <a:t>Builder</a:t>
+            </a:r>
+            <a:endParaRPr lang="fr-FR" dirty="0">
+              <a:solidFill>
+                <a:schemeClr val="bg1"/>
+              </a:solidFill>
+            </a:endParaRPr>
+          </a:p>
+        </p:txBody>
+      </p:sp>
+      <p:sp>
+        <p:nvSpPr>
+          <p:cNvPr id="5" name="Rectangle à coins arrondis 4"/>
+          <p:cNvSpPr/>
+          <p:nvPr/>
+        </p:nvSpPr>
+        <p:spPr>
+          <a:xfrm>
+            <a:off x="3428992" y="4143380"/>
+            <a:ext cx="2214578" cy="714380"/>
+          </a:xfrm>
+          <a:prstGeom prst="roundRect">
+            <a:avLst/>
+          </a:prstGeom>
+        </p:spPr>
+        <p:style>
+          <a:lnRef idx="2">
+            <a:schemeClr val="accent1">
+              <a:shade val="50000"/>
+            </a:schemeClr>
+          </a:lnRef>
+          <a:fillRef idx="1">
+            <a:schemeClr val="accent1"/>
+          </a:fillRef>
+          <a:effectRef idx="0">
+            <a:schemeClr val="accent1"/>
+          </a:effectRef>
+          <a:fontRef idx="minor">
+            <a:schemeClr val="lt1"/>
+          </a:fontRef>
+        </p:style>
+        <p:txBody>
+          <a:bodyPr rtlCol="0" anchor="ctr"/>
+          <a:lstStyle/>
+          <a:p>
+            <a:pPr algn="ctr"/>
+            <a:r>
+              <a:rPr lang="fr-FR" dirty="0" err="1" smtClean="0">
+                <a:solidFill>
+                  <a:schemeClr val="bg1"/>
+                </a:solidFill>
+              </a:rPr>
+              <a:t>Vehicule</a:t>
+            </a:r>
+            <a:r>
+              <a:rPr lang="fr-FR" dirty="0" smtClean="0">
+                <a:solidFill>
+                  <a:schemeClr val="bg1"/>
+                </a:solidFill>
+              </a:rPr>
+              <a:t> Interface</a:t>
+            </a:r>
+          </a:p>
+          <a:p>
+            <a:pPr algn="ctr"/>
+            <a:r>
+              <a:rPr lang="fr-FR" dirty="0" smtClean="0">
+                <a:solidFill>
+                  <a:schemeClr val="bg1"/>
+                </a:solidFill>
+              </a:rPr>
+              <a:t>(</a:t>
+            </a:r>
+            <a:r>
+              <a:rPr lang="fr-FR" dirty="0" err="1" smtClean="0">
+                <a:solidFill>
+                  <a:schemeClr val="bg1"/>
+                </a:solidFill>
+              </a:rPr>
+              <a:t>Behavior</a:t>
+            </a:r>
+            <a:r>
+              <a:rPr lang="fr-FR" dirty="0" smtClean="0">
+                <a:solidFill>
+                  <a:schemeClr val="bg1"/>
+                </a:solidFill>
+              </a:rPr>
+              <a:t>)</a:t>
+            </a:r>
+            <a:endParaRPr lang="fr-FR" dirty="0">
+              <a:solidFill>
+                <a:schemeClr val="bg1"/>
+              </a:solidFill>
+            </a:endParaRPr>
+          </a:p>
+        </p:txBody>
+      </p:sp>
+      <p:sp>
+        <p:nvSpPr>
+          <p:cNvPr id="6" name="Rectangle à coins arrondis 5"/>
+          <p:cNvSpPr/>
+          <p:nvPr/>
+        </p:nvSpPr>
+        <p:spPr>
+          <a:xfrm>
+            <a:off x="1500166" y="2786058"/>
+            <a:ext cx="1428760" cy="714380"/>
+          </a:xfrm>
+          <a:prstGeom prst="roundRect">
+            <a:avLst/>
+          </a:prstGeom>
+        </p:spPr>
+        <p:style>
+          <a:lnRef idx="2">
+            <a:schemeClr val="accent1">
+              <a:shade val="50000"/>
+            </a:schemeClr>
+          </a:lnRef>
+          <a:fillRef idx="1">
+            <a:schemeClr val="accent1"/>
+          </a:fillRef>
+          <a:effectRef idx="0">
+            <a:schemeClr val="accent1"/>
+          </a:effectRef>
+          <a:fontRef idx="minor">
+            <a:schemeClr val="lt1"/>
+          </a:fontRef>
+        </p:style>
+        <p:txBody>
+          <a:bodyPr rtlCol="0" anchor="ctr"/>
+          <a:lstStyle/>
+          <a:p>
+            <a:pPr algn="ctr"/>
+            <a:r>
+              <a:rPr lang="fr-FR" dirty="0" smtClean="0">
+                <a:solidFill>
+                  <a:schemeClr val="bg1"/>
+                </a:solidFill>
+              </a:rPr>
+              <a:t>Motocycle</a:t>
+            </a:r>
+            <a:endParaRPr lang="fr-FR" dirty="0">
+              <a:solidFill>
+                <a:schemeClr val="bg1"/>
+              </a:solidFill>
+            </a:endParaRPr>
+          </a:p>
+        </p:txBody>
+      </p:sp>
+      <p:sp>
+        <p:nvSpPr>
+          <p:cNvPr id="7" name="Rectangle à coins arrondis 6"/>
+          <p:cNvSpPr/>
+          <p:nvPr/>
+        </p:nvSpPr>
+        <p:spPr>
+          <a:xfrm>
+            <a:off x="3714744" y="2786058"/>
+            <a:ext cx="1643074" cy="714380"/>
+          </a:xfrm>
+          <a:prstGeom prst="roundRect">
+            <a:avLst/>
+          </a:prstGeom>
+        </p:spPr>
+        <p:style>
+          <a:lnRef idx="2">
+            <a:schemeClr val="accent1">
+              <a:shade val="50000"/>
+            </a:schemeClr>
+          </a:lnRef>
+          <a:fillRef idx="1">
+            <a:schemeClr val="accent1"/>
+          </a:fillRef>
+          <a:effectRef idx="0">
+            <a:schemeClr val="accent1"/>
+          </a:effectRef>
+          <a:fontRef idx="minor">
+            <a:schemeClr val="lt1"/>
+          </a:fontRef>
+        </p:style>
+        <p:txBody>
+          <a:bodyPr rtlCol="0" anchor="ctr"/>
+          <a:lstStyle/>
+          <a:p>
+            <a:pPr algn="ctr"/>
+            <a:r>
+              <a:rPr lang="fr-FR" dirty="0" smtClean="0">
+                <a:solidFill>
+                  <a:schemeClr val="bg1"/>
+                </a:solidFill>
+              </a:rPr>
+              <a:t>Bus</a:t>
+            </a:r>
+            <a:endParaRPr lang="fr-FR" dirty="0">
+              <a:solidFill>
+                <a:schemeClr val="bg1"/>
+              </a:solidFill>
+            </a:endParaRPr>
+          </a:p>
+        </p:txBody>
+      </p:sp>
+      <p:sp>
+        <p:nvSpPr>
+          <p:cNvPr id="8" name="Rectangle à coins arrondis 7"/>
+          <p:cNvSpPr/>
+          <p:nvPr/>
+        </p:nvSpPr>
+        <p:spPr>
+          <a:xfrm>
+            <a:off x="6072198" y="2786058"/>
+            <a:ext cx="1571636" cy="714380"/>
+          </a:xfrm>
+          <a:prstGeom prst="roundRect">
+            <a:avLst/>
+          </a:prstGeom>
+        </p:spPr>
+        <p:style>
+          <a:lnRef idx="2">
+            <a:schemeClr val="accent1">
+              <a:shade val="50000"/>
+            </a:schemeClr>
+          </a:lnRef>
+          <a:fillRef idx="1">
+            <a:schemeClr val="accent1"/>
+          </a:fillRef>
+          <a:effectRef idx="0">
+            <a:schemeClr val="accent1"/>
+          </a:effectRef>
+          <a:fontRef idx="minor">
+            <a:schemeClr val="lt1"/>
+          </a:fontRef>
+        </p:style>
+        <p:txBody>
+          <a:bodyPr rtlCol="0" anchor="ctr"/>
+          <a:lstStyle/>
+          <a:p>
+            <a:pPr algn="ctr"/>
+            <a:r>
+              <a:rPr lang="fr-FR" dirty="0" smtClean="0">
+                <a:solidFill>
+                  <a:schemeClr val="bg1"/>
+                </a:solidFill>
+              </a:rPr>
+              <a:t>Car</a:t>
+            </a:r>
+          </a:p>
+        </p:txBody>
+      </p:sp>
+      <p:cxnSp>
+        <p:nvCxnSpPr>
+          <p:cNvPr id="10" name="Connecteur droit avec flèche 9"/>
+          <p:cNvCxnSpPr>
+            <a:stCxn id="8" idx="2"/>
+            <a:endCxn id="5" idx="0"/>
+          </p:cNvCxnSpPr>
+          <p:nvPr/>
+        </p:nvCxnSpPr>
+        <p:spPr>
+          <a:xfrm rot="5400000">
+            <a:off x="5375678" y="2661042"/>
+            <a:ext cx="642942" cy="2321735"/>
+          </a:xfrm>
+          <a:prstGeom prst="straightConnector1">
+            <a:avLst/>
+          </a:prstGeom>
+          <a:ln>
+            <a:tailEnd type="arrow"/>
+          </a:ln>
+        </p:spPr>
+        <p:style>
+          <a:lnRef idx="1">
+            <a:schemeClr val="accent1"/>
+          </a:lnRef>
+          <a:fillRef idx="0">
+            <a:schemeClr val="accent1"/>
+          </a:fillRef>
+          <a:effectRef idx="0">
+            <a:schemeClr val="accent1"/>
+          </a:effectRef>
+          <a:fontRef idx="minor">
+            <a:schemeClr val="tx1"/>
+          </a:fontRef>
+        </p:style>
+      </p:cxnSp>
+      <p:cxnSp>
+        <p:nvCxnSpPr>
+          <p:cNvPr id="12" name="Connecteur droit avec flèche 11"/>
+          <p:cNvCxnSpPr>
+            <a:stCxn id="7" idx="2"/>
+            <a:endCxn id="5" idx="0"/>
+          </p:cNvCxnSpPr>
+          <p:nvPr/>
+        </p:nvCxnSpPr>
+        <p:spPr>
+          <a:xfrm rot="5400000">
+            <a:off x="4214810" y="3821909"/>
+            <a:ext cx="642942" cy="1588"/>
+          </a:xfrm>
+          <a:prstGeom prst="straightConnector1">
+            <a:avLst/>
+          </a:prstGeom>
+          <a:ln>
+            <a:tailEnd type="arrow"/>
+          </a:ln>
+        </p:spPr>
+        <p:style>
+          <a:lnRef idx="1">
+            <a:schemeClr val="accent1"/>
+          </a:lnRef>
+          <a:fillRef idx="0">
+            <a:schemeClr val="accent1"/>
+          </a:fillRef>
+          <a:effectRef idx="0">
+            <a:schemeClr val="accent1"/>
+          </a:effectRef>
+          <a:fontRef idx="minor">
+            <a:schemeClr val="tx1"/>
+          </a:fontRef>
+        </p:style>
+      </p:cxnSp>
+      <p:cxnSp>
+        <p:nvCxnSpPr>
+          <p:cNvPr id="14" name="Connecteur droit avec flèche 13"/>
+          <p:cNvCxnSpPr>
+            <a:stCxn id="6" idx="2"/>
+            <a:endCxn id="5" idx="0"/>
+          </p:cNvCxnSpPr>
+          <p:nvPr/>
+        </p:nvCxnSpPr>
+        <p:spPr>
+          <a:xfrm rot="16200000" flipH="1">
+            <a:off x="3053942" y="2661041"/>
+            <a:ext cx="642942" cy="2321735"/>
+          </a:xfrm>
+          <a:prstGeom prst="straightConnector1">
+            <a:avLst/>
+          </a:prstGeom>
+          <a:ln>
+            <a:tailEnd type="arrow"/>
+          </a:ln>
+        </p:spPr>
+        <p:style>
+          <a:lnRef idx="1">
+            <a:schemeClr val="accent1"/>
+          </a:lnRef>
+          <a:fillRef idx="0">
+            <a:schemeClr val="accent1"/>
+          </a:fillRef>
+          <a:effectRef idx="0">
+            <a:schemeClr val="accent1"/>
+          </a:effectRef>
+          <a:fontRef idx="minor">
+            <a:schemeClr val="tx1"/>
+          </a:fontRef>
+        </p:style>
+      </p:cxnSp>
+      <p:cxnSp>
+        <p:nvCxnSpPr>
+          <p:cNvPr id="16" name="Connecteur droit avec flèche 15"/>
+          <p:cNvCxnSpPr>
+            <a:stCxn id="5" idx="2"/>
+            <a:endCxn id="4" idx="0"/>
+          </p:cNvCxnSpPr>
+          <p:nvPr/>
+        </p:nvCxnSpPr>
+        <p:spPr>
+          <a:xfrm rot="5400000">
+            <a:off x="4107653" y="5286388"/>
+            <a:ext cx="857256" cy="1588"/>
+          </a:xfrm>
+          <a:prstGeom prst="straightConnector1">
+            <a:avLst/>
+          </a:prstGeom>
+          <a:ln>
+            <a:tailEnd type="arrow"/>
+          </a:ln>
+        </p:spPr>
+        <p:style>
+          <a:lnRef idx="1">
+            <a:schemeClr val="accent1"/>
+          </a:lnRef>
+          <a:fillRef idx="0">
+            <a:schemeClr val="accent1"/>
+          </a:fillRef>
+          <a:effectRef idx="0">
+            <a:schemeClr val="accent1"/>
+          </a:effectRef>
+          <a:fontRef idx="minor">
+            <a:schemeClr val="tx1"/>
+          </a:fontRef>
+        </p:style>
+      </p:cxnSp>
+      <p:sp>
+        <p:nvSpPr>
+          <p:cNvPr id="17" name="Rectangle à coins arrondis 16"/>
+          <p:cNvSpPr/>
+          <p:nvPr/>
+        </p:nvSpPr>
+        <p:spPr>
+          <a:xfrm>
+            <a:off x="3428992" y="1357298"/>
+            <a:ext cx="2214578" cy="714380"/>
+          </a:xfrm>
+          <a:prstGeom prst="roundRect">
+            <a:avLst/>
+          </a:prstGeom>
+        </p:spPr>
+        <p:style>
+          <a:lnRef idx="2">
+            <a:schemeClr val="accent1">
+              <a:shade val="50000"/>
+            </a:schemeClr>
+          </a:lnRef>
+          <a:fillRef idx="1">
+            <a:schemeClr val="accent1"/>
+          </a:fillRef>
+          <a:effectRef idx="0">
+            <a:schemeClr val="accent1"/>
+          </a:effectRef>
+          <a:fontRef idx="minor">
+            <a:schemeClr val="lt1"/>
+          </a:fontRef>
+        </p:style>
+        <p:txBody>
+          <a:bodyPr rtlCol="0" anchor="ctr"/>
+          <a:lstStyle/>
+          <a:p>
+            <a:pPr algn="ctr"/>
+            <a:r>
+              <a:rPr lang="fr-FR" dirty="0" err="1" smtClean="0">
+                <a:solidFill>
+                  <a:schemeClr val="bg1"/>
+                </a:solidFill>
+              </a:rPr>
+              <a:t>Vehicule</a:t>
+            </a:r>
+            <a:r>
+              <a:rPr lang="fr-FR" dirty="0" smtClean="0">
+                <a:solidFill>
+                  <a:schemeClr val="bg1"/>
+                </a:solidFill>
+              </a:rPr>
+              <a:t> Parts</a:t>
+            </a:r>
+          </a:p>
+        </p:txBody>
+      </p:sp>
+      <p:cxnSp>
+        <p:nvCxnSpPr>
+          <p:cNvPr id="19" name="Connecteur droit avec flèche 18"/>
+          <p:cNvCxnSpPr>
+            <a:stCxn id="17" idx="2"/>
+            <a:endCxn id="7" idx="0"/>
+          </p:cNvCxnSpPr>
+          <p:nvPr/>
+        </p:nvCxnSpPr>
+        <p:spPr>
+          <a:xfrm rot="5400000">
+            <a:off x="4179091" y="2428868"/>
+            <a:ext cx="714380" cy="1588"/>
+          </a:xfrm>
+          <a:prstGeom prst="straightConnector1">
+            <a:avLst/>
+          </a:prstGeom>
+          <a:ln>
+            <a:tailEnd type="arrow"/>
+          </a:ln>
+        </p:spPr>
+        <p:style>
+          <a:lnRef idx="1">
+            <a:schemeClr val="accent1"/>
+          </a:lnRef>
+          <a:fillRef idx="0">
+            <a:schemeClr val="accent1"/>
+          </a:fillRef>
+          <a:effectRef idx="0">
+            <a:schemeClr val="accent1"/>
+          </a:effectRef>
+          <a:fontRef idx="minor">
+            <a:schemeClr val="tx1"/>
+          </a:fontRef>
+        </p:style>
+      </p:cxnSp>
+      <p:cxnSp>
+        <p:nvCxnSpPr>
+          <p:cNvPr id="22" name="Connecteur droit avec flèche 21"/>
+          <p:cNvCxnSpPr>
+            <a:stCxn id="17" idx="2"/>
+            <a:endCxn id="6" idx="0"/>
+          </p:cNvCxnSpPr>
+          <p:nvPr/>
+        </p:nvCxnSpPr>
+        <p:spPr>
+          <a:xfrm rot="5400000">
+            <a:off x="3018224" y="1268001"/>
+            <a:ext cx="714380" cy="2321735"/>
+          </a:xfrm>
+          <a:prstGeom prst="straightConnector1">
+            <a:avLst/>
+          </a:prstGeom>
+          <a:ln>
+            <a:tailEnd type="arrow"/>
+          </a:ln>
+        </p:spPr>
+        <p:style>
+          <a:lnRef idx="1">
+            <a:schemeClr val="accent1"/>
+          </a:lnRef>
+          <a:fillRef idx="0">
+            <a:schemeClr val="accent1"/>
+          </a:fillRef>
+          <a:effectRef idx="0">
+            <a:schemeClr val="accent1"/>
+          </a:effectRef>
+          <a:fontRef idx="minor">
+            <a:schemeClr val="tx1"/>
+          </a:fontRef>
+        </p:style>
+      </p:cxnSp>
+      <p:cxnSp>
+        <p:nvCxnSpPr>
+          <p:cNvPr id="24" name="Connecteur droit avec flèche 23"/>
+          <p:cNvCxnSpPr>
+            <a:stCxn id="17" idx="2"/>
+            <a:endCxn id="8" idx="0"/>
+          </p:cNvCxnSpPr>
+          <p:nvPr/>
+        </p:nvCxnSpPr>
+        <p:spPr>
+          <a:xfrm rot="16200000" flipH="1">
+            <a:off x="5339958" y="1268000"/>
+            <a:ext cx="714380" cy="2321735"/>
           </a:xfrm>
           <a:prstGeom prst="straightConnector1">
             <a:avLst/>
